--- a/cover.pptx
+++ b/cover.pptx
@@ -711,36 +711,6 @@
           </a:p>
         </p:txBody>
       </p:sp>
-      <p:pic>
-        <p:nvPicPr>
-          <p:cNvPr id="14" name="図 13">
-            <a:extLst>
-              <a:ext uri="{FF2B5EF4-FFF2-40B4-BE49-F238E27FC236}">
-                <a16:creationId xmlns:a16="http://schemas.microsoft.com/office/drawing/2014/main" id="{EE5612BA-FA59-2D4D-9863-9365F0B2B68B}"/>
-              </a:ext>
-            </a:extLst>
-          </p:cNvPr>
-          <p:cNvPicPr>
-            <a:picLocks noChangeAspect="1"/>
-          </p:cNvPicPr>
-          <p:nvPr/>
-        </p:nvPicPr>
-        <p:blipFill>
-          <a:blip r:embed="rId2"/>
-          <a:stretch>
-            <a:fillRect/>
-          </a:stretch>
-        </p:blipFill>
-        <p:spPr>
-          <a:xfrm>
-            <a:off x="3192851" y="1280592"/>
-            <a:ext cx="1264386" cy="1223268"/>
-          </a:xfrm>
-          <a:prstGeom prst="rect">
-            <a:avLst/>
-          </a:prstGeom>
-        </p:spPr>
-      </p:pic>
       <p:sp>
         <p:nvSpPr>
           <p:cNvPr id="15" name="テキスト ボックス 14">
@@ -966,6 +936,36 @@
           </a:p>
         </p:txBody>
       </p:sp>
+      <p:pic>
+        <p:nvPicPr>
+          <p:cNvPr id="3" name="図 2" descr="アイコン&#10;&#10;自動的に生成された説明">
+            <a:extLst>
+              <a:ext uri="{FF2B5EF4-FFF2-40B4-BE49-F238E27FC236}">
+                <a16:creationId xmlns:a16="http://schemas.microsoft.com/office/drawing/2014/main" id="{6CE73256-F6CD-44F3-9DA1-F55FB807070E}"/>
+              </a:ext>
+            </a:extLst>
+          </p:cNvPr>
+          <p:cNvPicPr>
+            <a:picLocks noChangeAspect="1"/>
+          </p:cNvPicPr>
+          <p:nvPr/>
+        </p:nvPicPr>
+        <p:blipFill>
+          <a:blip r:embed="rId2"/>
+          <a:stretch>
+            <a:fillRect/>
+          </a:stretch>
+        </p:blipFill>
+        <p:spPr>
+          <a:xfrm>
+            <a:off x="3192586" y="1328217"/>
+            <a:ext cx="1254177" cy="1225155"/>
+          </a:xfrm>
+          <a:prstGeom prst="rect">
+            <a:avLst/>
+          </a:prstGeom>
+        </p:spPr>
+      </p:pic>
     </p:spTree>
     <p:extLst>
       <p:ext uri="{BB962C8B-B14F-4D97-AF65-F5344CB8AC3E}">
